--- a/환전문제_구조도_kopo13.pptx
+++ b/환전문제_구조도_kopo13.pptx
@@ -15,6 +15,7 @@
     <p:sldId id="260" r:id="rId9"/>
     <p:sldId id="265" r:id="rId10"/>
     <p:sldId id="261" r:id="rId11"/>
+    <p:sldId id="266" r:id="rId12"/>
   </p:sldIdLst>
   <p:sldSz cx="12192000" cy="6858000"/>
   <p:notesSz cx="6858000" cy="9144000"/>
@@ -9486,6 +9487,73 @@
 </p:sld>
 </file>
 
+<file path=ppt/slides/slide10.xml><?xml version="1.0" encoding="utf-8"?>
+<p:sld xmlns:a="http://schemas.openxmlformats.org/drawingml/2006/main" xmlns:r="http://schemas.openxmlformats.org/officeDocument/2006/relationships" xmlns:p="http://schemas.openxmlformats.org/presentationml/2006/main">
+  <p:cSld>
+    <p:spTree>
+      <p:nvGrpSpPr>
+        <p:cNvPr id="1" name=""/>
+        <p:cNvGrpSpPr/>
+        <p:nvPr/>
+      </p:nvGrpSpPr>
+      <p:grpSpPr>
+        <a:xfrm>
+          <a:off x="0" y="0"/>
+          <a:ext cx="0" cy="0"/>
+          <a:chOff x="0" y="0"/>
+          <a:chExt cx="0" cy="0"/>
+        </a:xfrm>
+      </p:grpSpPr>
+      <p:pic>
+        <p:nvPicPr>
+          <p:cNvPr id="4" name="그림 3"/>
+          <p:cNvPicPr>
+            <a:picLocks noChangeAspect="1"/>
+          </p:cNvPicPr>
+          <p:nvPr/>
+        </p:nvPicPr>
+        <p:blipFill>
+          <a:blip r:embed="rId2">
+            <a:extLst>
+              <a:ext uri="{28A0092B-C50C-407E-A947-70E740481C1C}">
+                <a14:useLocalDpi xmlns:a14="http://schemas.microsoft.com/office/drawing/2010/main" val="0"/>
+              </a:ext>
+            </a:extLst>
+          </a:blip>
+          <a:stretch>
+            <a:fillRect/>
+          </a:stretch>
+        </p:blipFill>
+        <p:spPr>
+          <a:xfrm>
+            <a:off x="1927615" y="401850"/>
+            <a:ext cx="8181186" cy="6175349"/>
+          </a:xfrm>
+          <a:prstGeom prst="rect">
+            <a:avLst/>
+          </a:prstGeom>
+          <a:effectLst>
+            <a:outerShdw blurRad="381000" dist="50800" dir="5400000" algn="ctr" rotWithShape="0">
+              <a:srgbClr val="000000">
+                <a:alpha val="43137"/>
+              </a:srgbClr>
+            </a:outerShdw>
+          </a:effectLst>
+        </p:spPr>
+      </p:pic>
+    </p:spTree>
+    <p:extLst>
+      <p:ext uri="{BB962C8B-B14F-4D97-AF65-F5344CB8AC3E}">
+        <p14:creationId xmlns:p14="http://schemas.microsoft.com/office/powerpoint/2010/main" val="680756131"/>
+      </p:ext>
+    </p:extLst>
+  </p:cSld>
+  <p:clrMapOvr>
+    <a:masterClrMapping/>
+  </p:clrMapOvr>
+</p:sld>
+</file>
+
 <file path=ppt/slides/slide2.xml><?xml version="1.0" encoding="utf-8"?>
 <p:sld xmlns:a="http://schemas.openxmlformats.org/drawingml/2006/main" xmlns:r="http://schemas.openxmlformats.org/officeDocument/2006/relationships" xmlns:p="http://schemas.openxmlformats.org/presentationml/2006/main">
   <p:cSld>
@@ -10941,11 +11009,7 @@
             </a:r>
             <a:r>
               <a:rPr lang="en-US" altLang="ko-KR" sz="2000" dirty="0" smtClean="0"/>
-              <a:t>( ex. public </a:t>
-            </a:r>
-            <a:r>
-              <a:rPr lang="en-US" altLang="ko-KR" sz="2000" dirty="0" smtClean="0"/>
-              <a:t>static double BALANCE_JPY = 100 )</a:t>
+              <a:t>( ex. public static double BALANCE_JPY = 100 )</a:t>
             </a:r>
             <a:endParaRPr lang="ko-KR" altLang="en-US" sz="2000" dirty="0"/>
           </a:p>

--- a/환전문제_구조도_kopo13.pptx
+++ b/환전문제_구조도_kopo13.pptx
@@ -16,6 +16,7 @@
     <p:sldId id="265" r:id="rId10"/>
     <p:sldId id="261" r:id="rId11"/>
     <p:sldId id="266" r:id="rId12"/>
+    <p:sldId id="267" r:id="rId13"/>
   </p:sldIdLst>
   <p:sldSz cx="12192000" cy="6858000"/>
   <p:notesSz cx="6858000" cy="9144000"/>
@@ -9551,6 +9552,494 @@
   <p:clrMapOvr>
     <a:masterClrMapping/>
   </p:clrMapOvr>
+  <p:timing>
+    <p:tnLst>
+      <p:par>
+        <p:cTn id="1" dur="indefinite" restart="never" nodeType="tmRoot"/>
+      </p:par>
+    </p:tnLst>
+  </p:timing>
+</p:sld>
+</file>
+
+<file path=ppt/slides/slide11.xml><?xml version="1.0" encoding="utf-8"?>
+<p:sld xmlns:a="http://schemas.openxmlformats.org/drawingml/2006/main" xmlns:r="http://schemas.openxmlformats.org/officeDocument/2006/relationships" xmlns:p="http://schemas.openxmlformats.org/presentationml/2006/main">
+  <p:cSld>
+    <p:spTree>
+      <p:nvGrpSpPr>
+        <p:cNvPr id="1" name=""/>
+        <p:cNvGrpSpPr/>
+        <p:nvPr/>
+      </p:nvGrpSpPr>
+      <p:grpSpPr>
+        <a:xfrm>
+          <a:off x="0" y="0"/>
+          <a:ext cx="0" cy="0"/>
+          <a:chOff x="0" y="0"/>
+          <a:chExt cx="0" cy="0"/>
+        </a:xfrm>
+      </p:grpSpPr>
+      <p:pic>
+        <p:nvPicPr>
+          <p:cNvPr id="4" name="그림 3"/>
+          <p:cNvPicPr>
+            <a:picLocks noChangeAspect="1"/>
+          </p:cNvPicPr>
+          <p:nvPr/>
+        </p:nvPicPr>
+        <p:blipFill>
+          <a:blip r:embed="rId2">
+            <a:extLst>
+              <a:ext uri="{28A0092B-C50C-407E-A947-70E740481C1C}">
+                <a14:useLocalDpi xmlns:a14="http://schemas.microsoft.com/office/drawing/2010/main" val="0"/>
+              </a:ext>
+            </a:extLst>
+          </a:blip>
+          <a:stretch>
+            <a:fillRect/>
+          </a:stretch>
+        </p:blipFill>
+        <p:spPr>
+          <a:xfrm>
+            <a:off x="903423" y="86610"/>
+            <a:ext cx="8593378" cy="6663390"/>
+          </a:xfrm>
+          <a:prstGeom prst="rect">
+            <a:avLst/>
+          </a:prstGeom>
+          <a:effectLst>
+            <a:outerShdw blurRad="444500" dist="50800" dir="5400000" algn="ctr" rotWithShape="0">
+              <a:srgbClr val="000000">
+                <a:alpha val="43137"/>
+              </a:srgbClr>
+            </a:outerShdw>
+          </a:effectLst>
+        </p:spPr>
+      </p:pic>
+      <p:pic>
+        <p:nvPicPr>
+          <p:cNvPr id="5" name="그림 4"/>
+          <p:cNvPicPr>
+            <a:picLocks noChangeAspect="1"/>
+          </p:cNvPicPr>
+          <p:nvPr/>
+        </p:nvPicPr>
+        <p:blipFill rotWithShape="1">
+          <a:blip r:embed="rId3">
+            <a:extLst>
+              <a:ext uri="{28A0092B-C50C-407E-A947-70E740481C1C}">
+                <a14:useLocalDpi xmlns:a14="http://schemas.microsoft.com/office/drawing/2010/main" val="0"/>
+              </a:ext>
+            </a:extLst>
+          </a:blip>
+          <a:srcRect b="2074"/>
+          <a:stretch/>
+        </p:blipFill>
+        <p:spPr>
+          <a:xfrm>
+            <a:off x="2483061" y="86610"/>
+            <a:ext cx="1831256" cy="6630990"/>
+          </a:xfrm>
+          <a:prstGeom prst="rect">
+            <a:avLst/>
+          </a:prstGeom>
+        </p:spPr>
+      </p:pic>
+      <p:pic>
+        <p:nvPicPr>
+          <p:cNvPr id="6" name="그림 5"/>
+          <p:cNvPicPr>
+            <a:picLocks noChangeAspect="1"/>
+          </p:cNvPicPr>
+          <p:nvPr/>
+        </p:nvPicPr>
+        <p:blipFill>
+          <a:blip r:embed="rId4">
+            <a:extLst>
+              <a:ext uri="{28A0092B-C50C-407E-A947-70E740481C1C}">
+                <a14:useLocalDpi xmlns:a14="http://schemas.microsoft.com/office/drawing/2010/main" val="0"/>
+              </a:ext>
+            </a:extLst>
+          </a:blip>
+          <a:stretch>
+            <a:fillRect/>
+          </a:stretch>
+        </p:blipFill>
+        <p:spPr>
+          <a:xfrm>
+            <a:off x="4477147" y="772763"/>
+            <a:ext cx="6510053" cy="3659403"/>
+          </a:xfrm>
+          <a:prstGeom prst="rect">
+            <a:avLst/>
+          </a:prstGeom>
+        </p:spPr>
+      </p:pic>
+      <p:sp>
+        <p:nvSpPr>
+          <p:cNvPr id="7" name="직사각형 6"/>
+          <p:cNvSpPr/>
+          <p:nvPr/>
+        </p:nvSpPr>
+        <p:spPr>
+          <a:xfrm>
+            <a:off x="4471200" y="770400"/>
+            <a:ext cx="6508800" cy="3672000"/>
+          </a:xfrm>
+          <a:prstGeom prst="rect">
+            <a:avLst/>
+          </a:prstGeom>
+          <a:noFill/>
+          <a:ln w="38100">
+            <a:solidFill>
+              <a:schemeClr val="accent5">
+                <a:lumMod val="60000"/>
+                <a:lumOff val="40000"/>
+              </a:schemeClr>
+            </a:solidFill>
+          </a:ln>
+        </p:spPr>
+        <p:style>
+          <a:lnRef idx="2">
+            <a:schemeClr val="accent1">
+              <a:shade val="50000"/>
+            </a:schemeClr>
+          </a:lnRef>
+          <a:fillRef idx="1">
+            <a:schemeClr val="accent1"/>
+          </a:fillRef>
+          <a:effectRef idx="0">
+            <a:schemeClr val="accent1"/>
+          </a:effectRef>
+          <a:fontRef idx="minor">
+            <a:schemeClr val="lt1"/>
+          </a:fontRef>
+        </p:style>
+        <p:txBody>
+          <a:bodyPr rtlCol="0" anchor="ctr"/>
+          <a:lstStyle/>
+          <a:p>
+            <a:pPr algn="ctr"/>
+            <a:endParaRPr lang="ko-KR" altLang="en-US"/>
+          </a:p>
+        </p:txBody>
+      </p:sp>
+      <p:sp>
+        <p:nvSpPr>
+          <p:cNvPr id="8" name="모서리가 둥근 직사각형 7"/>
+          <p:cNvSpPr/>
+          <p:nvPr/>
+        </p:nvSpPr>
+        <p:spPr>
+          <a:xfrm>
+            <a:off x="4314317" y="1022400"/>
+            <a:ext cx="4871628" cy="1074848"/>
+          </a:xfrm>
+          <a:prstGeom prst="roundRect">
+            <a:avLst/>
+          </a:prstGeom>
+          <a:noFill/>
+          <a:ln w="31750">
+            <a:solidFill>
+              <a:srgbClr val="FF0000"/>
+            </a:solidFill>
+            <a:prstDash val="sysDash"/>
+          </a:ln>
+        </p:spPr>
+        <p:style>
+          <a:lnRef idx="2">
+            <a:schemeClr val="accent1">
+              <a:shade val="50000"/>
+            </a:schemeClr>
+          </a:lnRef>
+          <a:fillRef idx="1">
+            <a:schemeClr val="accent1"/>
+          </a:fillRef>
+          <a:effectRef idx="0">
+            <a:schemeClr val="accent1"/>
+          </a:effectRef>
+          <a:fontRef idx="minor">
+            <a:schemeClr val="lt1"/>
+          </a:fontRef>
+        </p:style>
+        <p:txBody>
+          <a:bodyPr rtlCol="0" anchor="ctr"/>
+          <a:lstStyle/>
+          <a:p>
+            <a:pPr algn="ctr"/>
+            <a:endParaRPr lang="ko-KR" altLang="en-US"/>
+          </a:p>
+        </p:txBody>
+      </p:sp>
+      <p:sp>
+        <p:nvSpPr>
+          <p:cNvPr id="9" name="모서리가 둥근 직사각형 8"/>
+          <p:cNvSpPr/>
+          <p:nvPr/>
+        </p:nvSpPr>
+        <p:spPr>
+          <a:xfrm>
+            <a:off x="851057" y="176509"/>
+            <a:ext cx="1469173" cy="704336"/>
+          </a:xfrm>
+          <a:prstGeom prst="roundRect">
+            <a:avLst/>
+          </a:prstGeom>
+          <a:noFill/>
+          <a:ln w="31750">
+            <a:solidFill>
+              <a:srgbClr val="FF0000"/>
+            </a:solidFill>
+            <a:prstDash val="sysDash"/>
+          </a:ln>
+        </p:spPr>
+        <p:style>
+          <a:lnRef idx="2">
+            <a:schemeClr val="accent1">
+              <a:shade val="50000"/>
+            </a:schemeClr>
+          </a:lnRef>
+          <a:fillRef idx="1">
+            <a:schemeClr val="accent1"/>
+          </a:fillRef>
+          <a:effectRef idx="0">
+            <a:schemeClr val="accent1"/>
+          </a:effectRef>
+          <a:fontRef idx="minor">
+            <a:schemeClr val="lt1"/>
+          </a:fontRef>
+        </p:style>
+        <p:txBody>
+          <a:bodyPr rtlCol="0" anchor="ctr"/>
+          <a:lstStyle/>
+          <a:p>
+            <a:pPr algn="ctr"/>
+            <a:endParaRPr lang="ko-KR" altLang="en-US"/>
+          </a:p>
+        </p:txBody>
+      </p:sp>
+      <p:cxnSp>
+        <p:nvCxnSpPr>
+          <p:cNvPr id="12" name="직선 화살표 연결선 11"/>
+          <p:cNvCxnSpPr/>
+          <p:nvPr/>
+        </p:nvCxnSpPr>
+        <p:spPr>
+          <a:xfrm flipH="1">
+            <a:off x="9261446" y="1022400"/>
+            <a:ext cx="402671" cy="194382"/>
+          </a:xfrm>
+          <a:prstGeom prst="straightConnector1">
+            <a:avLst/>
+          </a:prstGeom>
+          <a:ln w="34925">
+            <a:solidFill>
+              <a:schemeClr val="accent2"/>
+            </a:solidFill>
+            <a:headEnd type="none"/>
+            <a:tailEnd type="triangle"/>
+          </a:ln>
+        </p:spPr>
+        <p:style>
+          <a:lnRef idx="1">
+            <a:schemeClr val="accent1"/>
+          </a:lnRef>
+          <a:fillRef idx="0">
+            <a:schemeClr val="accent1"/>
+          </a:fillRef>
+          <a:effectRef idx="0">
+            <a:schemeClr val="accent1"/>
+          </a:effectRef>
+          <a:fontRef idx="minor">
+            <a:schemeClr val="tx1"/>
+          </a:fontRef>
+        </p:style>
+      </p:cxnSp>
+      <p:sp>
+        <p:nvSpPr>
+          <p:cNvPr id="10" name="TextBox 9"/>
+          <p:cNvSpPr txBox="1"/>
+          <p:nvPr/>
+        </p:nvSpPr>
+        <p:spPr>
+          <a:xfrm>
+            <a:off x="9664117" y="692851"/>
+            <a:ext cx="2295082" cy="646331"/>
+          </a:xfrm>
+          <a:prstGeom prst="rect">
+            <a:avLst/>
+          </a:prstGeom>
+          <a:solidFill>
+            <a:schemeClr val="bg1"/>
+          </a:solidFill>
+          <a:ln>
+            <a:solidFill>
+              <a:schemeClr val="accent2"/>
+            </a:solidFill>
+          </a:ln>
+        </p:spPr>
+        <p:txBody>
+          <a:bodyPr wrap="square" rtlCol="0">
+            <a:spAutoFit/>
+          </a:bodyPr>
+          <a:lstStyle/>
+          <a:p>
+            <a:pPr algn="ctr"/>
+            <a:r>
+              <a:rPr lang="ko-KR" altLang="en-US" dirty="0" smtClean="0"/>
+              <a:t>코드 실행 전 파일에 이미 있던 부분</a:t>
+            </a:r>
+            <a:endParaRPr lang="ko-KR" altLang="en-US" dirty="0"/>
+          </a:p>
+        </p:txBody>
+      </p:sp>
+      <p:sp>
+        <p:nvSpPr>
+          <p:cNvPr id="14" name="모서리가 둥근 직사각형 13"/>
+          <p:cNvSpPr/>
+          <p:nvPr/>
+        </p:nvSpPr>
+        <p:spPr>
+          <a:xfrm>
+            <a:off x="4344317" y="2154000"/>
+            <a:ext cx="4863228" cy="1035600"/>
+          </a:xfrm>
+          <a:prstGeom prst="roundRect">
+            <a:avLst/>
+          </a:prstGeom>
+          <a:noFill/>
+          <a:ln w="31750">
+            <a:solidFill>
+              <a:srgbClr val="92D050"/>
+            </a:solidFill>
+            <a:prstDash val="sysDash"/>
+          </a:ln>
+        </p:spPr>
+        <p:style>
+          <a:lnRef idx="2">
+            <a:schemeClr val="accent1">
+              <a:shade val="50000"/>
+            </a:schemeClr>
+          </a:lnRef>
+          <a:fillRef idx="1">
+            <a:schemeClr val="accent1"/>
+          </a:fillRef>
+          <a:effectRef idx="0">
+            <a:schemeClr val="accent1"/>
+          </a:effectRef>
+          <a:fontRef idx="minor">
+            <a:schemeClr val="lt1"/>
+          </a:fontRef>
+        </p:style>
+        <p:txBody>
+          <a:bodyPr rtlCol="0" anchor="ctr"/>
+          <a:lstStyle/>
+          <a:p>
+            <a:pPr algn="ctr"/>
+            <a:endParaRPr lang="ko-KR" altLang="en-US"/>
+          </a:p>
+        </p:txBody>
+      </p:sp>
+      <p:cxnSp>
+        <p:nvCxnSpPr>
+          <p:cNvPr id="16" name="직선 화살표 연결선 15"/>
+          <p:cNvCxnSpPr/>
+          <p:nvPr/>
+        </p:nvCxnSpPr>
+        <p:spPr>
+          <a:xfrm flipH="1" flipV="1">
+            <a:off x="9245890" y="2727283"/>
+            <a:ext cx="482247" cy="267935"/>
+          </a:xfrm>
+          <a:prstGeom prst="straightConnector1">
+            <a:avLst/>
+          </a:prstGeom>
+          <a:ln w="34925">
+            <a:solidFill>
+              <a:schemeClr val="accent2"/>
+            </a:solidFill>
+            <a:headEnd type="none"/>
+            <a:tailEnd type="triangle"/>
+          </a:ln>
+        </p:spPr>
+        <p:style>
+          <a:lnRef idx="1">
+            <a:schemeClr val="accent1"/>
+          </a:lnRef>
+          <a:fillRef idx="0">
+            <a:schemeClr val="accent1"/>
+          </a:fillRef>
+          <a:effectRef idx="0">
+            <a:schemeClr val="accent1"/>
+          </a:effectRef>
+          <a:fontRef idx="minor">
+            <a:schemeClr val="tx1"/>
+          </a:fontRef>
+        </p:style>
+      </p:cxnSp>
+      <p:sp>
+        <p:nvSpPr>
+          <p:cNvPr id="15" name="TextBox 14"/>
+          <p:cNvSpPr txBox="1"/>
+          <p:nvPr/>
+        </p:nvSpPr>
+        <p:spPr>
+          <a:xfrm>
+            <a:off x="9694116" y="2544451"/>
+            <a:ext cx="2265083" cy="923330"/>
+          </a:xfrm>
+          <a:prstGeom prst="rect">
+            <a:avLst/>
+          </a:prstGeom>
+          <a:solidFill>
+            <a:schemeClr val="bg1"/>
+          </a:solidFill>
+          <a:ln>
+            <a:solidFill>
+              <a:schemeClr val="accent2"/>
+            </a:solidFill>
+          </a:ln>
+        </p:spPr>
+        <p:txBody>
+          <a:bodyPr wrap="square" rtlCol="0">
+            <a:spAutoFit/>
+          </a:bodyPr>
+          <a:lstStyle/>
+          <a:p>
+            <a:pPr algn="ctr"/>
+            <a:r>
+              <a:rPr lang="ko-KR" altLang="en-US" dirty="0" smtClean="0"/>
+              <a:t>좌측과 같은 실행 후 </a:t>
+            </a:r>
+            <a:endParaRPr lang="en-US" altLang="ko-KR" dirty="0" smtClean="0"/>
+          </a:p>
+          <a:p>
+            <a:pPr algn="ctr"/>
+            <a:r>
+              <a:rPr lang="ko-KR" altLang="en-US" dirty="0" smtClean="0"/>
+              <a:t>파일에 새로 기록된 부분</a:t>
+            </a:r>
+            <a:endParaRPr lang="en-US" altLang="ko-KR" dirty="0" smtClean="0"/>
+          </a:p>
+        </p:txBody>
+      </p:sp>
+    </p:spTree>
+    <p:extLst>
+      <p:ext uri="{BB962C8B-B14F-4D97-AF65-F5344CB8AC3E}">
+        <p14:creationId xmlns:p14="http://schemas.microsoft.com/office/powerpoint/2010/main" val="1257470131"/>
+      </p:ext>
+    </p:extLst>
+  </p:cSld>
+  <p:clrMapOvr>
+    <a:masterClrMapping/>
+  </p:clrMapOvr>
+  <p:timing>
+    <p:tnLst>
+      <p:par>
+        <p:cTn id="1" dur="indefinite" restart="never" nodeType="tmRoot"/>
+      </p:par>
+    </p:tnLst>
+  </p:timing>
 </p:sld>
 </file>
 

--- a/환전문제_구조도_kopo13.pptx
+++ b/환전문제_구조도_kopo13.pptx
@@ -15,8 +15,9 @@
     <p:sldId id="260" r:id="rId9"/>
     <p:sldId id="265" r:id="rId10"/>
     <p:sldId id="261" r:id="rId11"/>
-    <p:sldId id="266" r:id="rId12"/>
-    <p:sldId id="267" r:id="rId13"/>
+    <p:sldId id="268" r:id="rId12"/>
+    <p:sldId id="266" r:id="rId13"/>
+    <p:sldId id="267" r:id="rId14"/>
   </p:sldIdLst>
   <p:sldSz cx="12192000" cy="6858000"/>
   <p:notesSz cx="6858000" cy="9144000"/>
@@ -9505,6 +9506,255 @@
           <a:chExt cx="0" cy="0"/>
         </a:xfrm>
       </p:grpSpPr>
+      <p:sp>
+        <p:nvSpPr>
+          <p:cNvPr id="4" name="모서리가 둥근 직사각형 3"/>
+          <p:cNvSpPr/>
+          <p:nvPr/>
+        </p:nvSpPr>
+        <p:spPr>
+          <a:xfrm>
+            <a:off x="474310" y="941456"/>
+            <a:ext cx="11159066" cy="5621866"/>
+          </a:xfrm>
+          <a:prstGeom prst="roundRect">
+            <a:avLst/>
+          </a:prstGeom>
+          <a:solidFill>
+            <a:schemeClr val="accent1">
+              <a:lumMod val="20000"/>
+              <a:lumOff val="80000"/>
+            </a:schemeClr>
+          </a:solidFill>
+        </p:spPr>
+        <p:style>
+          <a:lnRef idx="2">
+            <a:schemeClr val="accent1">
+              <a:shade val="50000"/>
+            </a:schemeClr>
+          </a:lnRef>
+          <a:fillRef idx="1">
+            <a:schemeClr val="accent1"/>
+          </a:fillRef>
+          <a:effectRef idx="0">
+            <a:schemeClr val="accent1"/>
+          </a:effectRef>
+          <a:fontRef idx="minor">
+            <a:schemeClr val="lt1"/>
+          </a:fontRef>
+        </p:style>
+        <p:txBody>
+          <a:bodyPr rtlCol="0" anchor="ctr"/>
+          <a:lstStyle/>
+          <a:p>
+            <a:pPr algn="ctr"/>
+            <a:endParaRPr lang="ko-KR" altLang="en-US"/>
+          </a:p>
+        </p:txBody>
+      </p:sp>
+      <p:sp>
+        <p:nvSpPr>
+          <p:cNvPr id="6" name="TextBox 5"/>
+          <p:cNvSpPr txBox="1"/>
+          <p:nvPr/>
+        </p:nvSpPr>
+        <p:spPr>
+          <a:xfrm>
+            <a:off x="556181" y="169682"/>
+            <a:ext cx="6570483" cy="523220"/>
+          </a:xfrm>
+          <a:prstGeom prst="rect">
+            <a:avLst/>
+          </a:prstGeom>
+          <a:noFill/>
+        </p:spPr>
+        <p:txBody>
+          <a:bodyPr wrap="square" rtlCol="0">
+            <a:spAutoFit/>
+          </a:bodyPr>
+          <a:lstStyle/>
+          <a:p>
+            <a:r>
+              <a:rPr lang="en-US" altLang="ko-KR" sz="2800" dirty="0" err="1" smtClean="0"/>
+              <a:t>FileReadClass</a:t>
+            </a:r>
+            <a:r>
+              <a:rPr lang="en-US" altLang="ko-KR" sz="2800" dirty="0" smtClean="0"/>
+              <a:t> </a:t>
+            </a:r>
+            <a:r>
+              <a:rPr lang="en-US" altLang="ko-KR" sz="2800" dirty="0" smtClean="0"/>
+              <a:t>(</a:t>
+            </a:r>
+            <a:r>
+              <a:rPr lang="ko-KR" altLang="en-US" sz="2800" dirty="0" smtClean="0"/>
+              <a:t>파일 </a:t>
+            </a:r>
+            <a:r>
+              <a:rPr lang="ko-KR" altLang="en-US" sz="2800" dirty="0" smtClean="0"/>
+              <a:t>읽어오기</a:t>
+            </a:r>
+            <a:r>
+              <a:rPr lang="ko-KR" altLang="en-US" sz="2800" dirty="0" smtClean="0"/>
+              <a:t> </a:t>
+            </a:r>
+            <a:r>
+              <a:rPr lang="ko-KR" altLang="en-US" sz="2800" dirty="0" smtClean="0"/>
+              <a:t>클래스</a:t>
+            </a:r>
+            <a:r>
+              <a:rPr lang="en-US" altLang="ko-KR" sz="2800" dirty="0" smtClean="0"/>
+              <a:t>)</a:t>
+            </a:r>
+            <a:endParaRPr lang="ko-KR" altLang="en-US" sz="2800" dirty="0"/>
+          </a:p>
+        </p:txBody>
+      </p:sp>
+      <p:sp>
+        <p:nvSpPr>
+          <p:cNvPr id="5" name="TextBox 4"/>
+          <p:cNvSpPr txBox="1"/>
+          <p:nvPr/>
+        </p:nvSpPr>
+        <p:spPr>
+          <a:xfrm>
+            <a:off x="959371" y="1323699"/>
+            <a:ext cx="9973671" cy="2154436"/>
+          </a:xfrm>
+          <a:prstGeom prst="rect">
+            <a:avLst/>
+          </a:prstGeom>
+          <a:noFill/>
+        </p:spPr>
+        <p:txBody>
+          <a:bodyPr wrap="square" rtlCol="0">
+            <a:spAutoFit/>
+          </a:bodyPr>
+          <a:lstStyle/>
+          <a:p>
+            <a:r>
+              <a:rPr lang="ko-KR" altLang="en-US" sz="2400" b="1" dirty="0" smtClean="0"/>
+              <a:t> </a:t>
+            </a:r>
+            <a:r>
+              <a:rPr lang="en-US" altLang="ko-KR" sz="2000" dirty="0" smtClean="0"/>
+              <a:t>- </a:t>
+            </a:r>
+            <a:r>
+              <a:rPr lang="en-US" altLang="ko-KR" sz="2000" dirty="0" err="1" smtClean="0"/>
+              <a:t>FileReader,BufferdReader</a:t>
+            </a:r>
+            <a:r>
+              <a:rPr lang="en-US" altLang="ko-KR" sz="2000" dirty="0" smtClean="0"/>
+              <a:t> </a:t>
+            </a:r>
+            <a:r>
+              <a:rPr lang="ko-KR" altLang="en-US" sz="2000" dirty="0"/>
+              <a:t>객체 </a:t>
+            </a:r>
+            <a:r>
+              <a:rPr lang="ko-KR" altLang="en-US" sz="2000" dirty="0" smtClean="0"/>
+              <a:t>생성</a:t>
+            </a:r>
+            <a:endParaRPr lang="en-US" altLang="ko-KR" sz="2000" dirty="0" smtClean="0"/>
+          </a:p>
+          <a:p>
+            <a:endParaRPr lang="ko-KR" altLang="en-US" sz="2000" dirty="0"/>
+          </a:p>
+          <a:p>
+            <a:pPr>
+              <a:lnSpc>
+                <a:spcPct val="150000"/>
+              </a:lnSpc>
+            </a:pPr>
+            <a:r>
+              <a:rPr lang="en-US" altLang="ko-KR" sz="2000" b="1" dirty="0" err="1" smtClean="0"/>
+              <a:t>readFromFile</a:t>
+            </a:r>
+            <a:r>
+              <a:rPr lang="en-US" altLang="ko-KR" sz="2000" b="1" dirty="0" smtClean="0"/>
+              <a:t>()</a:t>
+            </a:r>
+            <a:endParaRPr lang="en-US" altLang="ko-KR" sz="2000" b="1" dirty="0"/>
+          </a:p>
+          <a:p>
+            <a:pPr marL="342900" indent="-342900">
+              <a:lnSpc>
+                <a:spcPct val="150000"/>
+              </a:lnSpc>
+              <a:buFontTx/>
+              <a:buChar char="-"/>
+            </a:pPr>
+            <a:r>
+              <a:rPr lang="ko-KR" altLang="en-US" sz="2000" dirty="0" smtClean="0"/>
+              <a:t>지정한 파일을 읽어와서 </a:t>
+            </a:r>
+            <a:r>
+              <a:rPr lang="ko-KR" altLang="en-US" sz="2000" dirty="0" smtClean="0"/>
+              <a:t>가장 최신의 </a:t>
+            </a:r>
+            <a:r>
+              <a:rPr lang="en-US" altLang="ko-KR" sz="2000" dirty="0" smtClean="0"/>
+              <a:t>USD, EUR, JPY </a:t>
+            </a:r>
+            <a:r>
+              <a:rPr lang="ko-KR" altLang="en-US" sz="2000" dirty="0" smtClean="0"/>
+              <a:t>잔고를 현재 상태에 반영함</a:t>
+            </a:r>
+            <a:endParaRPr lang="en-US" altLang="ko-KR" sz="2000" dirty="0" smtClean="0"/>
+          </a:p>
+          <a:p>
+            <a:pPr marL="342900" indent="-342900">
+              <a:lnSpc>
+                <a:spcPct val="150000"/>
+              </a:lnSpc>
+              <a:buFontTx/>
+              <a:buChar char="-"/>
+            </a:pPr>
+            <a:r>
+              <a:rPr lang="ko-KR" altLang="en-US" sz="2000" dirty="0" smtClean="0"/>
+              <a:t>현재 외화 잔고를 출력</a:t>
+            </a:r>
+          </a:p>
+        </p:txBody>
+      </p:sp>
+    </p:spTree>
+    <p:extLst>
+      <p:ext uri="{BB962C8B-B14F-4D97-AF65-F5344CB8AC3E}">
+        <p14:creationId xmlns:p14="http://schemas.microsoft.com/office/powerpoint/2010/main" val="3874622399"/>
+      </p:ext>
+    </p:extLst>
+  </p:cSld>
+  <p:clrMapOvr>
+    <a:masterClrMapping/>
+  </p:clrMapOvr>
+  <p:timing>
+    <p:tnLst>
+      <p:par>
+        <p:cTn id="1" dur="indefinite" restart="never" nodeType="tmRoot"/>
+      </p:par>
+    </p:tnLst>
+  </p:timing>
+</p:sld>
+</file>
+
+<file path=ppt/slides/slide11.xml><?xml version="1.0" encoding="utf-8"?>
+<p:sld xmlns:a="http://schemas.openxmlformats.org/drawingml/2006/main" xmlns:r="http://schemas.openxmlformats.org/officeDocument/2006/relationships" xmlns:p="http://schemas.openxmlformats.org/presentationml/2006/main">
+  <p:cSld>
+    <p:spTree>
+      <p:nvGrpSpPr>
+        <p:cNvPr id="1" name=""/>
+        <p:cNvGrpSpPr/>
+        <p:nvPr/>
+      </p:nvGrpSpPr>
+      <p:grpSpPr>
+        <a:xfrm>
+          <a:off x="0" y="0"/>
+          <a:ext cx="0" cy="0"/>
+          <a:chOff x="0" y="0"/>
+          <a:chExt cx="0" cy="0"/>
+        </a:xfrm>
+      </p:grpSpPr>
       <p:pic>
         <p:nvPicPr>
           <p:cNvPr id="4" name="그림 3"/>
@@ -9562,7 +9812,7 @@
 </p:sld>
 </file>
 
-<file path=ppt/slides/slide11.xml><?xml version="1.0" encoding="utf-8"?>
+<file path=ppt/slides/slide12.xml><?xml version="1.0" encoding="utf-8"?>
 <p:sld xmlns:a="http://schemas.openxmlformats.org/drawingml/2006/main" xmlns:r="http://schemas.openxmlformats.org/officeDocument/2006/relationships" xmlns:p="http://schemas.openxmlformats.org/presentationml/2006/main">
   <p:cSld>
     <p:spTree>
@@ -10062,6 +10312,332 @@
       </p:grpSpPr>
       <p:cxnSp>
         <p:nvCxnSpPr>
+          <p:cNvPr id="20" name="직선 연결선 19"/>
+          <p:cNvCxnSpPr/>
+          <p:nvPr/>
+        </p:nvCxnSpPr>
+        <p:spPr>
+          <a:xfrm flipH="1">
+            <a:off x="9844800" y="3766865"/>
+            <a:ext cx="1" cy="747292"/>
+          </a:xfrm>
+          <a:prstGeom prst="line">
+            <a:avLst/>
+          </a:prstGeom>
+          <a:ln w="28575"/>
+        </p:spPr>
+        <p:style>
+          <a:lnRef idx="1">
+            <a:schemeClr val="accent1"/>
+          </a:lnRef>
+          <a:fillRef idx="0">
+            <a:schemeClr val="accent1"/>
+          </a:fillRef>
+          <a:effectRef idx="0">
+            <a:schemeClr val="accent1"/>
+          </a:effectRef>
+          <a:fontRef idx="minor">
+            <a:schemeClr val="tx1"/>
+          </a:fontRef>
+        </p:style>
+      </p:cxnSp>
+      <p:cxnSp>
+        <p:nvCxnSpPr>
+          <p:cNvPr id="13" name="직선 연결선 12"/>
+          <p:cNvCxnSpPr>
+            <a:endCxn id="30" idx="0"/>
+          </p:cNvCxnSpPr>
+          <p:nvPr/>
+        </p:nvCxnSpPr>
+        <p:spPr>
+          <a:xfrm>
+            <a:off x="9785598" y="2332800"/>
+            <a:ext cx="1869" cy="459767"/>
+          </a:xfrm>
+          <a:prstGeom prst="line">
+            <a:avLst/>
+          </a:prstGeom>
+          <a:ln w="28575"/>
+        </p:spPr>
+        <p:style>
+          <a:lnRef idx="1">
+            <a:schemeClr val="accent1"/>
+          </a:lnRef>
+          <a:fillRef idx="0">
+            <a:schemeClr val="accent1"/>
+          </a:fillRef>
+          <a:effectRef idx="0">
+            <a:schemeClr val="accent1"/>
+          </a:effectRef>
+          <a:fontRef idx="minor">
+            <a:schemeClr val="tx1"/>
+          </a:fontRef>
+        </p:style>
+      </p:cxnSp>
+      <p:cxnSp>
+        <p:nvCxnSpPr>
+          <p:cNvPr id="33" name="직선 연결선 32"/>
+          <p:cNvCxnSpPr/>
+          <p:nvPr/>
+        </p:nvCxnSpPr>
+        <p:spPr>
+          <a:xfrm flipH="1">
+            <a:off x="7260217" y="2350908"/>
+            <a:ext cx="1" cy="581166"/>
+          </a:xfrm>
+          <a:prstGeom prst="line">
+            <a:avLst/>
+          </a:prstGeom>
+          <a:ln w="28575"/>
+        </p:spPr>
+        <p:style>
+          <a:lnRef idx="1">
+            <a:schemeClr val="accent1"/>
+          </a:lnRef>
+          <a:fillRef idx="0">
+            <a:schemeClr val="accent1"/>
+          </a:fillRef>
+          <a:effectRef idx="0">
+            <a:schemeClr val="accent1"/>
+          </a:effectRef>
+          <a:fontRef idx="minor">
+            <a:schemeClr val="tx1"/>
+          </a:fontRef>
+        </p:style>
+      </p:cxnSp>
+      <p:cxnSp>
+        <p:nvCxnSpPr>
+          <p:cNvPr id="25" name="직선 연결선 24"/>
+          <p:cNvCxnSpPr/>
+          <p:nvPr/>
+        </p:nvCxnSpPr>
+        <p:spPr>
+          <a:xfrm flipH="1">
+            <a:off x="4397045" y="2334834"/>
+            <a:ext cx="1" cy="581166"/>
+          </a:xfrm>
+          <a:prstGeom prst="line">
+            <a:avLst/>
+          </a:prstGeom>
+          <a:ln w="28575"/>
+        </p:spPr>
+        <p:style>
+          <a:lnRef idx="1">
+            <a:schemeClr val="accent1"/>
+          </a:lnRef>
+          <a:fillRef idx="0">
+            <a:schemeClr val="accent1"/>
+          </a:fillRef>
+          <a:effectRef idx="0">
+            <a:schemeClr val="accent1"/>
+          </a:effectRef>
+          <a:fontRef idx="minor">
+            <a:schemeClr val="tx1"/>
+          </a:fontRef>
+        </p:style>
+      </p:cxnSp>
+      <p:sp>
+        <p:nvSpPr>
+          <p:cNvPr id="30" name="모서리가 둥근 직사각형 29"/>
+          <p:cNvSpPr/>
+          <p:nvPr/>
+        </p:nvSpPr>
+        <p:spPr>
+          <a:xfrm>
+            <a:off x="8724207" y="2792567"/>
+            <a:ext cx="2126520" cy="983724"/>
+          </a:xfrm>
+          <a:prstGeom prst="roundRect">
+            <a:avLst/>
+          </a:prstGeom>
+          <a:solidFill>
+            <a:schemeClr val="accent1">
+              <a:lumMod val="20000"/>
+              <a:lumOff val="80000"/>
+            </a:schemeClr>
+          </a:solidFill>
+        </p:spPr>
+        <p:style>
+          <a:lnRef idx="2">
+            <a:schemeClr val="accent1">
+              <a:shade val="50000"/>
+            </a:schemeClr>
+          </a:lnRef>
+          <a:fillRef idx="1">
+            <a:schemeClr val="accent1"/>
+          </a:fillRef>
+          <a:effectRef idx="0">
+            <a:schemeClr val="accent1"/>
+          </a:effectRef>
+          <a:fontRef idx="minor">
+            <a:schemeClr val="lt1"/>
+          </a:fontRef>
+        </p:style>
+        <p:txBody>
+          <a:bodyPr rtlCol="0" anchor="ctr"/>
+          <a:lstStyle/>
+          <a:p>
+            <a:pPr algn="ctr"/>
+            <a:r>
+              <a:rPr lang="en-US" altLang="ko-KR" smtClean="0"/>
+              <a:t> </a:t>
+            </a:r>
+            <a:endParaRPr lang="ko-KR" altLang="en-US"/>
+          </a:p>
+        </p:txBody>
+      </p:sp>
+      <p:sp>
+        <p:nvSpPr>
+          <p:cNvPr id="29" name="모서리가 둥근 직사각형 28"/>
+          <p:cNvSpPr/>
+          <p:nvPr/>
+        </p:nvSpPr>
+        <p:spPr>
+          <a:xfrm>
+            <a:off x="6172570" y="2783514"/>
+            <a:ext cx="2126520" cy="983724"/>
+          </a:xfrm>
+          <a:prstGeom prst="roundRect">
+            <a:avLst/>
+          </a:prstGeom>
+          <a:solidFill>
+            <a:schemeClr val="accent1">
+              <a:lumMod val="20000"/>
+              <a:lumOff val="80000"/>
+            </a:schemeClr>
+          </a:solidFill>
+        </p:spPr>
+        <p:style>
+          <a:lnRef idx="2">
+            <a:schemeClr val="accent1">
+              <a:shade val="50000"/>
+            </a:schemeClr>
+          </a:lnRef>
+          <a:fillRef idx="1">
+            <a:schemeClr val="accent1"/>
+          </a:fillRef>
+          <a:effectRef idx="0">
+            <a:schemeClr val="accent1"/>
+          </a:effectRef>
+          <a:fontRef idx="minor">
+            <a:schemeClr val="lt1"/>
+          </a:fontRef>
+        </p:style>
+        <p:txBody>
+          <a:bodyPr rtlCol="0" anchor="ctr"/>
+          <a:lstStyle/>
+          <a:p>
+            <a:pPr algn="ctr"/>
+            <a:r>
+              <a:rPr lang="en-US" altLang="ko-KR" smtClean="0"/>
+              <a:t> </a:t>
+            </a:r>
+            <a:endParaRPr lang="ko-KR" altLang="en-US"/>
+          </a:p>
+        </p:txBody>
+      </p:sp>
+      <p:sp>
+        <p:nvSpPr>
+          <p:cNvPr id="28" name="모서리가 둥근 직사각형 27"/>
+          <p:cNvSpPr/>
+          <p:nvPr/>
+        </p:nvSpPr>
+        <p:spPr>
+          <a:xfrm>
+            <a:off x="3319331" y="2790714"/>
+            <a:ext cx="2126520" cy="983724"/>
+          </a:xfrm>
+          <a:prstGeom prst="roundRect">
+            <a:avLst/>
+          </a:prstGeom>
+          <a:solidFill>
+            <a:schemeClr val="accent1">
+              <a:lumMod val="20000"/>
+              <a:lumOff val="80000"/>
+            </a:schemeClr>
+          </a:solidFill>
+        </p:spPr>
+        <p:style>
+          <a:lnRef idx="2">
+            <a:schemeClr val="accent1">
+              <a:shade val="50000"/>
+            </a:schemeClr>
+          </a:lnRef>
+          <a:fillRef idx="1">
+            <a:schemeClr val="accent1"/>
+          </a:fillRef>
+          <a:effectRef idx="0">
+            <a:schemeClr val="accent1"/>
+          </a:effectRef>
+          <a:fontRef idx="minor">
+            <a:schemeClr val="lt1"/>
+          </a:fontRef>
+        </p:style>
+        <p:txBody>
+          <a:bodyPr rtlCol="0" anchor="ctr"/>
+          <a:lstStyle/>
+          <a:p>
+            <a:pPr algn="ctr"/>
+            <a:r>
+              <a:rPr lang="en-US" altLang="ko-KR" smtClean="0"/>
+              <a:t> </a:t>
+            </a:r>
+            <a:endParaRPr lang="ko-KR" altLang="en-US"/>
+          </a:p>
+        </p:txBody>
+      </p:sp>
+      <p:sp>
+        <p:nvSpPr>
+          <p:cNvPr id="15" name="모서리가 둥근 직사각형 14"/>
+          <p:cNvSpPr/>
+          <p:nvPr/>
+        </p:nvSpPr>
+        <p:spPr>
+          <a:xfrm>
+            <a:off x="816599" y="2792567"/>
+            <a:ext cx="2126520" cy="983724"/>
+          </a:xfrm>
+          <a:prstGeom prst="roundRect">
+            <a:avLst/>
+          </a:prstGeom>
+          <a:solidFill>
+            <a:schemeClr val="accent1">
+              <a:lumMod val="20000"/>
+              <a:lumOff val="80000"/>
+            </a:schemeClr>
+          </a:solidFill>
+        </p:spPr>
+        <p:style>
+          <a:lnRef idx="2">
+            <a:schemeClr val="accent1">
+              <a:shade val="50000"/>
+            </a:schemeClr>
+          </a:lnRef>
+          <a:fillRef idx="1">
+            <a:schemeClr val="accent1"/>
+          </a:fillRef>
+          <a:effectRef idx="0">
+            <a:schemeClr val="accent1"/>
+          </a:effectRef>
+          <a:fontRef idx="minor">
+            <a:schemeClr val="lt1"/>
+          </a:fontRef>
+        </p:style>
+        <p:txBody>
+          <a:bodyPr rtlCol="0" anchor="ctr"/>
+          <a:lstStyle/>
+          <a:p>
+            <a:pPr algn="ctr"/>
+            <a:r>
+              <a:rPr lang="en-US" altLang="ko-KR" smtClean="0"/>
+              <a:t> </a:t>
+            </a:r>
+            <a:endParaRPr lang="ko-KR" altLang="en-US"/>
+          </a:p>
+        </p:txBody>
+      </p:sp>
+      <p:cxnSp>
+        <p:nvCxnSpPr>
           <p:cNvPr id="38" name="직선 연결선 37"/>
           <p:cNvCxnSpPr/>
           <p:nvPr/>
@@ -10306,37 +10882,6 @@
           </a:fontRef>
         </p:style>
       </p:cxnSp>
-      <p:cxnSp>
-        <p:nvCxnSpPr>
-          <p:cNvPr id="13" name="직선 연결선 12"/>
-          <p:cNvCxnSpPr/>
-          <p:nvPr/>
-        </p:nvCxnSpPr>
-        <p:spPr>
-          <a:xfrm flipH="1">
-            <a:off x="9792796" y="2340000"/>
-            <a:ext cx="1" cy="445292"/>
-          </a:xfrm>
-          <a:prstGeom prst="line">
-            <a:avLst/>
-          </a:prstGeom>
-          <a:ln w="28575"/>
-        </p:spPr>
-        <p:style>
-          <a:lnRef idx="1">
-            <a:schemeClr val="accent1"/>
-          </a:lnRef>
-          <a:fillRef idx="0">
-            <a:schemeClr val="accent1"/>
-          </a:fillRef>
-          <a:effectRef idx="0">
-            <a:schemeClr val="accent1"/>
-          </a:effectRef>
-          <a:fontRef idx="minor">
-            <a:schemeClr val="tx1"/>
-          </a:fontRef>
-        </p:style>
-      </p:cxnSp>
       <p:sp>
         <p:nvSpPr>
           <p:cNvPr id="14" name="TextBox 13"/>
@@ -10393,110 +10938,14 @@
       </p:sp>
       <p:sp>
         <p:nvSpPr>
-          <p:cNvPr id="15" name="모서리가 둥근 직사각형 14"/>
-          <p:cNvSpPr/>
-          <p:nvPr/>
-        </p:nvSpPr>
-        <p:spPr>
-          <a:xfrm>
-            <a:off x="386280" y="2792566"/>
-            <a:ext cx="3007895" cy="1163053"/>
-          </a:xfrm>
-          <a:prstGeom prst="roundRect">
-            <a:avLst/>
-          </a:prstGeom>
-          <a:solidFill>
-            <a:schemeClr val="accent1">
-              <a:lumMod val="20000"/>
-              <a:lumOff val="80000"/>
-            </a:schemeClr>
-          </a:solidFill>
-        </p:spPr>
-        <p:style>
-          <a:lnRef idx="2">
-            <a:schemeClr val="accent1">
-              <a:shade val="50000"/>
-            </a:schemeClr>
-          </a:lnRef>
-          <a:fillRef idx="1">
-            <a:schemeClr val="accent1"/>
-          </a:fillRef>
-          <a:effectRef idx="0">
-            <a:schemeClr val="accent1"/>
-          </a:effectRef>
-          <a:fontRef idx="minor">
-            <a:schemeClr val="lt1"/>
-          </a:fontRef>
-        </p:style>
-        <p:txBody>
-          <a:bodyPr rtlCol="0" anchor="ctr"/>
-          <a:lstStyle/>
-          <a:p>
-            <a:pPr algn="ctr"/>
-            <a:r>
-              <a:rPr lang="en-US" altLang="ko-KR" smtClean="0"/>
-              <a:t> </a:t>
-            </a:r>
-            <a:endParaRPr lang="ko-KR" altLang="en-US"/>
-          </a:p>
-        </p:txBody>
-      </p:sp>
-      <p:sp>
-        <p:nvSpPr>
-          <p:cNvPr id="16" name="모서리가 둥근 직사각형 15"/>
-          <p:cNvSpPr/>
-          <p:nvPr/>
-        </p:nvSpPr>
-        <p:spPr>
-          <a:xfrm>
-            <a:off x="8307702" y="2785502"/>
-            <a:ext cx="3007895" cy="1163053"/>
-          </a:xfrm>
-          <a:prstGeom prst="roundRect">
-            <a:avLst/>
-          </a:prstGeom>
-          <a:solidFill>
-            <a:schemeClr val="accent1">
-              <a:lumMod val="20000"/>
-              <a:lumOff val="80000"/>
-            </a:schemeClr>
-          </a:solidFill>
-        </p:spPr>
-        <p:style>
-          <a:lnRef idx="2">
-            <a:schemeClr val="accent1">
-              <a:shade val="50000"/>
-            </a:schemeClr>
-          </a:lnRef>
-          <a:fillRef idx="1">
-            <a:schemeClr val="accent1"/>
-          </a:fillRef>
-          <a:effectRef idx="0">
-            <a:schemeClr val="accent1"/>
-          </a:effectRef>
-          <a:fontRef idx="minor">
-            <a:schemeClr val="lt1"/>
-          </a:fontRef>
-        </p:style>
-        <p:txBody>
-          <a:bodyPr rtlCol="0" anchor="ctr"/>
-          <a:lstStyle/>
-          <a:p>
-            <a:pPr algn="ctr"/>
-            <a:endParaRPr lang="ko-KR" altLang="en-US"/>
-          </a:p>
-        </p:txBody>
-      </p:sp>
-      <p:sp>
-        <p:nvSpPr>
           <p:cNvPr id="17" name="TextBox 16"/>
           <p:cNvSpPr txBox="1"/>
           <p:nvPr/>
         </p:nvSpPr>
         <p:spPr>
           <a:xfrm>
-            <a:off x="574125" y="2945293"/>
-            <a:ext cx="2637272" cy="830997"/>
+            <a:off x="725324" y="2916000"/>
+            <a:ext cx="2298675" cy="646331"/>
           </a:xfrm>
           <a:prstGeom prst="rect">
             <a:avLst/>
@@ -10511,26 +10960,26 @@
           <a:p>
             <a:pPr algn="ctr"/>
             <a:r>
-              <a:rPr lang="en-US" altLang="ko-KR" sz="2400" dirty="0" err="1" smtClean="0"/>
+              <a:rPr lang="en-US" altLang="ko-KR" dirty="0" err="1" smtClean="0"/>
               <a:t>InputClass</a:t>
             </a:r>
-            <a:endParaRPr lang="en-US" altLang="ko-KR" sz="2400" dirty="0" smtClean="0"/>
+            <a:endParaRPr lang="en-US" altLang="ko-KR" dirty="0" smtClean="0"/>
           </a:p>
           <a:p>
             <a:pPr algn="ctr"/>
             <a:r>
-              <a:rPr lang="en-US" altLang="ko-KR" sz="2400" dirty="0" smtClean="0"/>
+              <a:rPr lang="en-US" altLang="ko-KR" dirty="0" smtClean="0"/>
               <a:t>(</a:t>
             </a:r>
             <a:r>
-              <a:rPr lang="ko-KR" altLang="en-US" sz="2400" dirty="0" smtClean="0"/>
+              <a:rPr lang="ko-KR" altLang="en-US" dirty="0" smtClean="0"/>
               <a:t>입력관련 클래스</a:t>
             </a:r>
             <a:r>
-              <a:rPr lang="en-US" altLang="ko-KR" sz="2400" dirty="0" smtClean="0"/>
+              <a:rPr lang="en-US" altLang="ko-KR" dirty="0" smtClean="0"/>
               <a:t>)</a:t>
             </a:r>
-            <a:endParaRPr lang="ko-KR" altLang="en-US" sz="2400" dirty="0"/>
+            <a:endParaRPr lang="ko-KR" altLang="en-US" dirty="0"/>
           </a:p>
         </p:txBody>
       </p:sp>
@@ -10543,7 +10992,7 @@
         <p:spPr>
           <a:xfrm>
             <a:off x="8451962" y="3004020"/>
-            <a:ext cx="2768876" cy="677108"/>
+            <a:ext cx="2768876" cy="553998"/>
           </a:xfrm>
           <a:prstGeom prst="rect">
             <a:avLst/>
@@ -10558,158 +11007,34 @@
           <a:p>
             <a:pPr algn="ctr"/>
             <a:r>
-              <a:rPr lang="en-US" altLang="ko-KR" sz="2000" dirty="0" err="1" smtClean="0"/>
+              <a:rPr lang="en-US" altLang="ko-KR" sz="1600" dirty="0" err="1" smtClean="0"/>
               <a:t>RunExchangeClass</a:t>
             </a:r>
-            <a:endParaRPr lang="en-US" altLang="ko-KR" sz="2000" dirty="0" smtClean="0"/>
+            <a:endParaRPr lang="en-US" altLang="ko-KR" sz="1600" dirty="0" smtClean="0"/>
           </a:p>
           <a:p>
             <a:pPr algn="ctr"/>
             <a:r>
-              <a:rPr lang="en-US" altLang="ko-KR" dirty="0" smtClean="0"/>
+              <a:rPr lang="en-US" altLang="ko-KR" sz="1400" dirty="0" smtClean="0"/>
               <a:t>(</a:t>
             </a:r>
             <a:r>
-              <a:rPr lang="ko-KR" altLang="en-US" dirty="0" smtClean="0"/>
+              <a:rPr lang="ko-KR" altLang="en-US" sz="1400" dirty="0" smtClean="0"/>
               <a:t>계산</a:t>
             </a:r>
             <a:r>
-              <a:rPr lang="en-US" altLang="ko-KR" dirty="0" smtClean="0"/>
+              <a:rPr lang="en-US" altLang="ko-KR" sz="1400" dirty="0" smtClean="0"/>
               <a:t>&amp;</a:t>
             </a:r>
             <a:r>
-              <a:rPr lang="ko-KR" altLang="en-US" dirty="0" smtClean="0"/>
+              <a:rPr lang="ko-KR" altLang="en-US" sz="1400" dirty="0" smtClean="0"/>
               <a:t>출력 관련 클래스</a:t>
             </a:r>
             <a:r>
-              <a:rPr lang="en-US" altLang="ko-KR" dirty="0" smtClean="0"/>
+              <a:rPr lang="en-US" altLang="ko-KR" sz="1400" dirty="0" smtClean="0"/>
               <a:t>)</a:t>
             </a:r>
-            <a:endParaRPr lang="ko-KR" altLang="en-US" dirty="0"/>
-          </a:p>
-        </p:txBody>
-      </p:sp>
-      <p:cxnSp>
-        <p:nvCxnSpPr>
-          <p:cNvPr id="20" name="직선 연결선 19"/>
-          <p:cNvCxnSpPr/>
-          <p:nvPr/>
-        </p:nvCxnSpPr>
-        <p:spPr>
-          <a:xfrm flipH="1">
-            <a:off x="9811649" y="3956481"/>
-            <a:ext cx="1" cy="747292"/>
-          </a:xfrm>
-          <a:prstGeom prst="line">
-            <a:avLst/>
-          </a:prstGeom>
-          <a:ln w="28575"/>
-        </p:spPr>
-        <p:style>
-          <a:lnRef idx="1">
-            <a:schemeClr val="accent1"/>
-          </a:lnRef>
-          <a:fillRef idx="0">
-            <a:schemeClr val="accent1"/>
-          </a:fillRef>
-          <a:effectRef idx="0">
-            <a:schemeClr val="accent1"/>
-          </a:effectRef>
-          <a:fontRef idx="minor">
-            <a:schemeClr val="tx1"/>
-          </a:fontRef>
-        </p:style>
-      </p:cxnSp>
-      <p:sp>
-        <p:nvSpPr>
-          <p:cNvPr id="19" name="모서리가 둥근 직사각형 18"/>
-          <p:cNvSpPr/>
-          <p:nvPr/>
-        </p:nvSpPr>
-        <p:spPr>
-          <a:xfrm>
-            <a:off x="8307702" y="4689716"/>
-            <a:ext cx="3007895" cy="1163053"/>
-          </a:xfrm>
-          <a:prstGeom prst="roundRect">
-            <a:avLst/>
-          </a:prstGeom>
-          <a:solidFill>
-            <a:schemeClr val="accent1">
-              <a:lumMod val="20000"/>
-              <a:lumOff val="80000"/>
-            </a:schemeClr>
-          </a:solidFill>
-        </p:spPr>
-        <p:style>
-          <a:lnRef idx="2">
-            <a:schemeClr val="accent1">
-              <a:shade val="50000"/>
-            </a:schemeClr>
-          </a:lnRef>
-          <a:fillRef idx="1">
-            <a:schemeClr val="accent1"/>
-          </a:fillRef>
-          <a:effectRef idx="0">
-            <a:schemeClr val="accent1"/>
-          </a:effectRef>
-          <a:fontRef idx="minor">
-            <a:schemeClr val="lt1"/>
-          </a:fontRef>
-        </p:style>
-        <p:txBody>
-          <a:bodyPr rtlCol="0" anchor="ctr"/>
-          <a:lstStyle/>
-          <a:p>
-            <a:pPr algn="ctr"/>
-            <a:endParaRPr lang="ko-KR" altLang="en-US"/>
-          </a:p>
-        </p:txBody>
-      </p:sp>
-      <p:sp>
-        <p:nvSpPr>
-          <p:cNvPr id="22" name="TextBox 21"/>
-          <p:cNvSpPr txBox="1"/>
-          <p:nvPr/>
-        </p:nvSpPr>
-        <p:spPr>
-          <a:xfrm>
-            <a:off x="8483771" y="4883084"/>
-            <a:ext cx="2655755" cy="830997"/>
-          </a:xfrm>
-          <a:prstGeom prst="rect">
-            <a:avLst/>
-          </a:prstGeom>
-          <a:noFill/>
-        </p:spPr>
-        <p:txBody>
-          <a:bodyPr wrap="square" rtlCol="0">
-            <a:spAutoFit/>
-          </a:bodyPr>
-          <a:lstStyle/>
-          <a:p>
-            <a:pPr algn="ctr"/>
-            <a:r>
-              <a:rPr lang="en-US" altLang="ko-KR" sz="2400" dirty="0" err="1" smtClean="0"/>
-              <a:t>OutputClass</a:t>
-            </a:r>
-            <a:endParaRPr lang="en-US" altLang="ko-KR" sz="2400" dirty="0" smtClean="0"/>
-          </a:p>
-          <a:p>
-            <a:pPr algn="ctr"/>
-            <a:r>
-              <a:rPr lang="en-US" altLang="ko-KR" sz="2400" dirty="0" smtClean="0"/>
-              <a:t>(</a:t>
-            </a:r>
-            <a:r>
-              <a:rPr lang="ko-KR" altLang="en-US" sz="2400" dirty="0" smtClean="0"/>
-              <a:t>출력 관련 클래스</a:t>
-            </a:r>
-            <a:r>
-              <a:rPr lang="en-US" altLang="ko-KR" sz="2400" dirty="0" smtClean="0"/>
-              <a:t>)</a:t>
-            </a:r>
-            <a:endParaRPr lang="ko-KR" altLang="en-US" sz="2400" dirty="0"/>
+            <a:endParaRPr lang="ko-KR" altLang="en-US" sz="1400" dirty="0"/>
           </a:p>
         </p:txBody>
       </p:sp>
@@ -10812,47 +11137,130 @@
           </a:p>
         </p:txBody>
       </p:sp>
-      <p:cxnSp>
-        <p:nvCxnSpPr>
-          <p:cNvPr id="25" name="직선 연결선 24"/>
-          <p:cNvCxnSpPr/>
+      <p:sp>
+        <p:nvSpPr>
+          <p:cNvPr id="27" name="TextBox 26"/>
+          <p:cNvSpPr txBox="1"/>
           <p:nvPr/>
-        </p:nvCxnSpPr>
+        </p:nvSpPr>
         <p:spPr>
-          <a:xfrm flipH="1">
-            <a:off x="5814302" y="2368143"/>
-            <a:ext cx="1" cy="445292"/>
+          <a:xfrm>
+            <a:off x="3221291" y="2946421"/>
+            <a:ext cx="2351509" cy="654522"/>
           </a:xfrm>
-          <a:prstGeom prst="line">
+          <a:prstGeom prst="rect">
             <a:avLst/>
           </a:prstGeom>
-          <a:ln w="28575"/>
+          <a:noFill/>
         </p:spPr>
-        <p:style>
-          <a:lnRef idx="1">
-            <a:schemeClr val="accent1"/>
-          </a:lnRef>
-          <a:fillRef idx="0">
-            <a:schemeClr val="accent1"/>
-          </a:fillRef>
-          <a:effectRef idx="0">
-            <a:schemeClr val="accent1"/>
-          </a:effectRef>
-          <a:fontRef idx="minor">
-            <a:schemeClr val="tx1"/>
-          </a:fontRef>
-        </p:style>
-      </p:cxnSp>
-      <p:sp>
-        <p:nvSpPr>
-          <p:cNvPr id="26" name="모서리가 둥근 직사각형 25"/>
+        <p:txBody>
+          <a:bodyPr wrap="square" rtlCol="0">
+            <a:spAutoFit/>
+          </a:bodyPr>
+          <a:lstStyle/>
+          <a:p>
+            <a:pPr algn="ctr"/>
+            <a:r>
+              <a:rPr lang="en-US" altLang="ko-KR" dirty="0" err="1" smtClean="0"/>
+              <a:t>FileWriteClass</a:t>
+            </a:r>
+            <a:endParaRPr lang="en-US" altLang="ko-KR" dirty="0" smtClean="0"/>
+          </a:p>
+          <a:p>
+            <a:pPr algn="ctr"/>
+            <a:r>
+              <a:rPr lang="en-US" altLang="ko-KR" dirty="0" smtClean="0"/>
+              <a:t>(</a:t>
+            </a:r>
+            <a:r>
+              <a:rPr lang="ko-KR" altLang="en-US" dirty="0" smtClean="0"/>
+              <a:t>파일기록 클래스</a:t>
+            </a:r>
+            <a:r>
+              <a:rPr lang="en-US" altLang="ko-KR" dirty="0" smtClean="0"/>
+              <a:t>)</a:t>
+            </a:r>
+            <a:endParaRPr lang="ko-KR" altLang="en-US" dirty="0"/>
+          </a:p>
+        </p:txBody>
+      </p:sp>
+      <p:sp>
+        <p:nvSpPr>
+          <p:cNvPr id="32" name="TextBox 31"/>
+          <p:cNvSpPr txBox="1"/>
+          <p:nvPr/>
+        </p:nvSpPr>
+        <p:spPr>
+          <a:xfrm>
+            <a:off x="6057253" y="2938554"/>
+            <a:ext cx="2351509" cy="654522"/>
+          </a:xfrm>
+          <a:prstGeom prst="rect">
+            <a:avLst/>
+          </a:prstGeom>
+          <a:noFill/>
+        </p:spPr>
+        <p:txBody>
+          <a:bodyPr wrap="square" rtlCol="0">
+            <a:spAutoFit/>
+          </a:bodyPr>
+          <a:lstStyle/>
+          <a:p>
+            <a:pPr algn="ctr"/>
+            <a:r>
+              <a:rPr lang="en-US" altLang="ko-KR" dirty="0" err="1" smtClean="0"/>
+              <a:t>File</a:t>
+            </a:r>
+            <a:r>
+              <a:rPr lang="en-US" altLang="ko-KR" dirty="0" err="1" smtClean="0"/>
+              <a:t>Read</a:t>
+            </a:r>
+            <a:r>
+              <a:rPr lang="en-US" altLang="ko-KR" dirty="0" err="1" smtClean="0"/>
+              <a:t>Class</a:t>
+            </a:r>
+            <a:endParaRPr lang="en-US" altLang="ko-KR" dirty="0" smtClean="0"/>
+          </a:p>
+          <a:p>
+            <a:pPr algn="ctr"/>
+            <a:r>
+              <a:rPr lang="en-US" altLang="ko-KR" dirty="0" smtClean="0"/>
+              <a:t>(</a:t>
+            </a:r>
+            <a:r>
+              <a:rPr lang="ko-KR" altLang="en-US" dirty="0" smtClean="0"/>
+              <a:t>파일</a:t>
+            </a:r>
+            <a:r>
+              <a:rPr lang="ko-KR" altLang="en-US" dirty="0" smtClean="0"/>
+              <a:t>읽기</a:t>
+            </a:r>
+            <a:r>
+              <a:rPr lang="ko-KR" altLang="en-US" dirty="0" smtClean="0"/>
+              <a:t> </a:t>
+            </a:r>
+            <a:r>
+              <a:rPr lang="ko-KR" altLang="en-US" dirty="0" smtClean="0"/>
+              <a:t>클래스</a:t>
+            </a:r>
+            <a:r>
+              <a:rPr lang="en-US" altLang="ko-KR" dirty="0" smtClean="0"/>
+              <a:t>)</a:t>
+            </a:r>
+            <a:endParaRPr lang="ko-KR" altLang="en-US" dirty="0"/>
+          </a:p>
+        </p:txBody>
+      </p:sp>
+      <p:sp>
+        <p:nvSpPr>
+          <p:cNvPr id="34" name="모서리가 둥근 직사각형 33"/>
           <p:cNvSpPr/>
           <p:nvPr/>
         </p:nvSpPr>
         <p:spPr>
           <a:xfrm>
-            <a:off x="4340669" y="2819871"/>
-            <a:ext cx="3007895" cy="1163053"/>
+            <a:off x="8781540" y="4231142"/>
+            <a:ext cx="2126520" cy="983724"/>
           </a:xfrm>
           <a:prstGeom prst="roundRect">
             <a:avLst/>
@@ -10885,20 +11293,24 @@
           <a:lstStyle/>
           <a:p>
             <a:pPr algn="ctr"/>
+            <a:r>
+              <a:rPr lang="en-US" altLang="ko-KR" smtClean="0"/>
+              <a:t> </a:t>
+            </a:r>
             <a:endParaRPr lang="ko-KR" altLang="en-US"/>
           </a:p>
         </p:txBody>
       </p:sp>
       <p:sp>
         <p:nvSpPr>
-          <p:cNvPr id="27" name="TextBox 26"/>
+          <p:cNvPr id="22" name="TextBox 21"/>
           <p:cNvSpPr txBox="1"/>
           <p:nvPr/>
         </p:nvSpPr>
         <p:spPr>
           <a:xfrm>
-            <a:off x="4525980" y="2989256"/>
-            <a:ext cx="2637272" cy="830997"/>
+            <a:off x="8534171" y="4371884"/>
+            <a:ext cx="2655755" cy="646331"/>
           </a:xfrm>
           <a:prstGeom prst="rect">
             <a:avLst/>
@@ -10913,26 +11325,26 @@
           <a:p>
             <a:pPr algn="ctr"/>
             <a:r>
-              <a:rPr lang="en-US" altLang="ko-KR" sz="2400" dirty="0" err="1" smtClean="0"/>
-              <a:t>FileWriteClass</a:t>
-            </a:r>
-            <a:endParaRPr lang="en-US" altLang="ko-KR" sz="2400" dirty="0" smtClean="0"/>
+              <a:rPr lang="en-US" altLang="ko-KR" dirty="0" err="1" smtClean="0"/>
+              <a:t>OutputClass</a:t>
+            </a:r>
+            <a:endParaRPr lang="en-US" altLang="ko-KR" dirty="0" smtClean="0"/>
           </a:p>
           <a:p>
             <a:pPr algn="ctr"/>
             <a:r>
-              <a:rPr lang="en-US" altLang="ko-KR" sz="2400" dirty="0" smtClean="0"/>
+              <a:rPr lang="en-US" altLang="ko-KR" dirty="0" smtClean="0"/>
               <a:t>(</a:t>
             </a:r>
             <a:r>
-              <a:rPr lang="ko-KR" altLang="en-US" sz="2400" dirty="0" smtClean="0"/>
-              <a:t>파일기록 클래스</a:t>
-            </a:r>
-            <a:r>
-              <a:rPr lang="en-US" altLang="ko-KR" sz="2400" dirty="0" smtClean="0"/>
+              <a:rPr lang="ko-KR" altLang="en-US" dirty="0" smtClean="0"/>
+              <a:t>출력 관련 클래스</a:t>
+            </a:r>
+            <a:r>
+              <a:rPr lang="en-US" altLang="ko-KR" dirty="0" smtClean="0"/>
               <a:t>)</a:t>
             </a:r>
-            <a:endParaRPr lang="ko-KR" altLang="en-US" sz="2400" dirty="0"/>
+            <a:endParaRPr lang="ko-KR" altLang="en-US" dirty="0"/>
           </a:p>
         </p:txBody>
       </p:sp>
